--- a/Images/Donate.pptx
+++ b/Images/Donate.pptx
@@ -5,47 +5,45 @@
     <p:sldMasterId id="2147483659" r:id="rId1"/>
   </p:sldMasterIdLst>
   <p:notesMasterIdLst>
-    <p:notesMasterId r:id="rId9"/>
+    <p:notesMasterId r:id="rId7"/>
   </p:notesMasterIdLst>
   <p:sldIdLst>
     <p:sldId id="258" r:id="rId2"/>
     <p:sldId id="259" r:id="rId3"/>
     <p:sldId id="265" r:id="rId4"/>
     <p:sldId id="264" r:id="rId5"/>
-    <p:sldId id="268" r:id="rId6"/>
-    <p:sldId id="267" r:id="rId7"/>
-    <p:sldId id="266" r:id="rId8"/>
+    <p:sldId id="267" r:id="rId6"/>
   </p:sldIdLst>
   <p:sldSz cx="12192000" cy="6858000"/>
   <p:notesSz cx="6858000" cy="9144000"/>
   <p:embeddedFontLst>
     <p:embeddedFont>
       <p:font typeface="Calibri" panose="020F0502020204030204" pitchFamily="34" charset="0"/>
-      <p:regular r:id="rId10"/>
-      <p:bold r:id="rId11"/>
-      <p:italic r:id="rId12"/>
-      <p:boldItalic r:id="rId13"/>
+      <p:regular r:id="rId8"/>
+      <p:bold r:id="rId9"/>
+      <p:italic r:id="rId10"/>
+      <p:boldItalic r:id="rId11"/>
     </p:embeddedFont>
     <p:embeddedFont>
       <p:font typeface="Lato" panose="020F0502020204030203" pitchFamily="34" charset="0"/>
-      <p:regular r:id="rId14"/>
-      <p:bold r:id="rId15"/>
-      <p:italic r:id="rId16"/>
-      <p:boldItalic r:id="rId17"/>
+      <p:regular r:id="rId12"/>
+      <p:bold r:id="rId13"/>
+      <p:italic r:id="rId14"/>
+      <p:boldItalic r:id="rId15"/>
     </p:embeddedFont>
     <p:embeddedFont>
       <p:font typeface="Lato Light" panose="020F0302020204030203" pitchFamily="34" charset="0"/>
-      <p:regular r:id="rId18"/>
-      <p:bold r:id="rId19"/>
-      <p:italic r:id="rId20"/>
-      <p:boldItalic r:id="rId21"/>
+      <p:regular r:id="rId16"/>
+      <p:bold r:id="rId17"/>
+      <p:italic r:id="rId18"/>
+      <p:boldItalic r:id="rId19"/>
     </p:embeddedFont>
     <p:embeddedFont>
       <p:font typeface="PT Sans" panose="020B0604020202020204" charset="0"/>
-      <p:regular r:id="rId22"/>
-      <p:bold r:id="rId23"/>
-      <p:italic r:id="rId24"/>
-      <p:boldItalic r:id="rId25"/>
+      <p:regular r:id="rId20"/>
+      <p:bold r:id="rId21"/>
+      <p:italic r:id="rId22"/>
+      <p:boldItalic r:id="rId23"/>
     </p:embeddedFont>
   </p:embeddedFontLst>
   <p:defaultTextStyle>
@@ -16616,524 +16614,6 @@
           <p:cNvPr id="2" name="Title 1">
             <a:extLst>
               <a:ext uri="{FF2B5EF4-FFF2-40B4-BE49-F238E27FC236}">
-                <a16:creationId xmlns:a16="http://schemas.microsoft.com/office/drawing/2014/main" id="{C4C2AB5D-9C0A-4232-95B1-78B5F28CC349}"/>
-              </a:ext>
-            </a:extLst>
-          </p:cNvPr>
-          <p:cNvSpPr>
-            <a:spLocks noGrp="1"/>
-          </p:cNvSpPr>
-          <p:nvPr>
-            <p:ph type="title"/>
-          </p:nvPr>
-        </p:nvSpPr>
-        <p:spPr/>
-        <p:txBody>
-          <a:bodyPr/>
-          <a:lstStyle/>
-          <a:p>
-            <a:r>
-              <a:rPr lang="en-US" dirty="0"/>
-              <a:t>Entrance Tank</a:t>
-            </a:r>
-          </a:p>
-        </p:txBody>
-      </p:sp>
-      <p:pic>
-        <p:nvPicPr>
-          <p:cNvPr id="7" name="Picture 6">
-            <a:extLst>
-              <a:ext uri="{FF2B5EF4-FFF2-40B4-BE49-F238E27FC236}">
-                <a16:creationId xmlns:a16="http://schemas.microsoft.com/office/drawing/2014/main" id="{196313CA-BB95-4DBD-BC56-E5BDA0CBBF6F}"/>
-              </a:ext>
-            </a:extLst>
-          </p:cNvPr>
-          <p:cNvPicPr>
-            <a:picLocks noChangeAspect="1"/>
-          </p:cNvPicPr>
-          <p:nvPr/>
-        </p:nvPicPr>
-        <p:blipFill rotWithShape="1">
-          <a:blip r:embed="rId2"/>
-          <a:srcRect b="35255"/>
-          <a:stretch/>
-        </p:blipFill>
-        <p:spPr>
-          <a:xfrm>
-            <a:off x="965487" y="2891685"/>
-            <a:ext cx="3153215" cy="1615966"/>
-          </a:xfrm>
-          <a:prstGeom prst="rect">
-            <a:avLst/>
-          </a:prstGeom>
-        </p:spPr>
-      </p:pic>
-      <p:grpSp>
-        <p:nvGrpSpPr>
-          <p:cNvPr id="50" name="Group 49">
-            <a:extLst>
-              <a:ext uri="{FF2B5EF4-FFF2-40B4-BE49-F238E27FC236}">
-                <a16:creationId xmlns:a16="http://schemas.microsoft.com/office/drawing/2014/main" id="{EB3172B1-8AB0-441F-B3C3-4ABCF303AB42}"/>
-              </a:ext>
-            </a:extLst>
-          </p:cNvPr>
-          <p:cNvGrpSpPr/>
-          <p:nvPr/>
-        </p:nvGrpSpPr>
-        <p:grpSpPr>
-          <a:xfrm>
-            <a:off x="4339528" y="1691985"/>
-            <a:ext cx="4572001" cy="4015367"/>
-            <a:chOff x="4339528" y="1691985"/>
-            <a:chExt cx="4572001" cy="4015367"/>
-          </a:xfrm>
-        </p:grpSpPr>
-        <p:sp>
-          <p:nvSpPr>
-            <p:cNvPr id="6" name="TextBox 5">
-              <a:extLst>
-                <a:ext uri="{FF2B5EF4-FFF2-40B4-BE49-F238E27FC236}">
-                  <a16:creationId xmlns:a16="http://schemas.microsoft.com/office/drawing/2014/main" id="{6148E457-A6D2-4657-BF05-5B5F9BB0F353}"/>
-                </a:ext>
-              </a:extLst>
-            </p:cNvPr>
-            <p:cNvSpPr txBox="1"/>
-            <p:nvPr/>
-          </p:nvSpPr>
-          <p:spPr>
-            <a:xfrm>
-              <a:off x="4339528" y="1691985"/>
-              <a:ext cx="4572000" cy="523220"/>
-            </a:xfrm>
-            <a:prstGeom prst="rect">
-              <a:avLst/>
-            </a:prstGeom>
-            <a:noFill/>
-          </p:spPr>
-          <p:txBody>
-            <a:bodyPr wrap="square" rtlCol="0">
-              <a:spAutoFit/>
-            </a:bodyPr>
-            <a:lstStyle/>
-            <a:p>
-              <a:pPr algn="l"/>
-              <a:r>
-                <a:rPr lang="en-US" dirty="0">
-                  <a:latin typeface="Calibri" panose="020F0502020204030204" pitchFamily="34" charset="0"/>
-                  <a:cs typeface="Calibri" panose="020F0502020204030204" pitchFamily="34" charset="0"/>
-                </a:rPr>
-                <a:t>The maximum flow rate sets the size of the entrance tank. Vary it to see how the dimensions change.</a:t>
-              </a:r>
-            </a:p>
-          </p:txBody>
-        </p:sp>
-        <p:sp>
-          <p:nvSpPr>
-            <p:cNvPr id="8" name="TextBox 7">
-              <a:extLst>
-                <a:ext uri="{FF2B5EF4-FFF2-40B4-BE49-F238E27FC236}">
-                  <a16:creationId xmlns:a16="http://schemas.microsoft.com/office/drawing/2014/main" id="{5CE1B73C-2FC4-4F6A-8EC3-90D004E21598}"/>
-                </a:ext>
-              </a:extLst>
-            </p:cNvPr>
-            <p:cNvSpPr txBox="1"/>
-            <p:nvPr/>
-          </p:nvSpPr>
-          <p:spPr>
-            <a:xfrm>
-              <a:off x="4339529" y="2348150"/>
-              <a:ext cx="4572000" cy="523220"/>
-            </a:xfrm>
-            <a:prstGeom prst="rect">
-              <a:avLst/>
-            </a:prstGeom>
-            <a:noFill/>
-          </p:spPr>
-          <p:txBody>
-            <a:bodyPr wrap="square" rtlCol="0">
-              <a:spAutoFit/>
-            </a:bodyPr>
-            <a:lstStyle/>
-            <a:p>
-              <a:pPr algn="l"/>
-              <a:r>
-                <a:rPr lang="en-US" dirty="0">
-                  <a:latin typeface="Calibri" panose="020F0502020204030204" pitchFamily="34" charset="0"/>
-                  <a:cs typeface="Calibri" panose="020F0502020204030204" pitchFamily="34" charset="0"/>
-                </a:rPr>
-                <a:t>The flow is turbulent throughout the entrance tank and thus temperature doesn’t have a significant effect on the design.</a:t>
-              </a:r>
-            </a:p>
-          </p:txBody>
-        </p:sp>
-        <p:sp>
-          <p:nvSpPr>
-            <p:cNvPr id="9" name="TextBox 8">
-              <a:extLst>
-                <a:ext uri="{FF2B5EF4-FFF2-40B4-BE49-F238E27FC236}">
-                  <a16:creationId xmlns:a16="http://schemas.microsoft.com/office/drawing/2014/main" id="{CB476067-782F-4E85-A56C-441FF232D5EE}"/>
-                </a:ext>
-              </a:extLst>
-            </p:cNvPr>
-            <p:cNvSpPr txBox="1"/>
-            <p:nvPr/>
-          </p:nvSpPr>
-          <p:spPr>
-            <a:xfrm>
-              <a:off x="4339529" y="3004315"/>
-              <a:ext cx="4572000" cy="738664"/>
-            </a:xfrm>
-            <a:prstGeom prst="rect">
-              <a:avLst/>
-            </a:prstGeom>
-            <a:noFill/>
-          </p:spPr>
-          <p:txBody>
-            <a:bodyPr wrap="square" rtlCol="0">
-              <a:spAutoFit/>
-            </a:bodyPr>
-            <a:lstStyle/>
-            <a:p>
-              <a:pPr algn="l"/>
-              <a:r>
-                <a:rPr lang="en-US" dirty="0">
-                  <a:latin typeface="Calibri" panose="020F0502020204030204" pitchFamily="34" charset="0"/>
-                  <a:cs typeface="Calibri" panose="020F0502020204030204" pitchFamily="34" charset="0"/>
-                </a:rPr>
-                <a:t>The inside length of the entrance tank that enables fitting the entrance tank next to the flocculator to make a compact plant layout.</a:t>
-              </a:r>
-            </a:p>
-          </p:txBody>
-        </p:sp>
-        <p:sp>
-          <p:nvSpPr>
-            <p:cNvPr id="10" name="TextBox 9">
-              <a:extLst>
-                <a:ext uri="{FF2B5EF4-FFF2-40B4-BE49-F238E27FC236}">
-                  <a16:creationId xmlns:a16="http://schemas.microsoft.com/office/drawing/2014/main" id="{BEB5CD3C-25F7-48CA-BAAE-01AAA68D6021}"/>
-                </a:ext>
-              </a:extLst>
-            </p:cNvPr>
-            <p:cNvSpPr txBox="1"/>
-            <p:nvPr/>
-          </p:nvSpPr>
-          <p:spPr>
-            <a:xfrm>
-              <a:off x="4339529" y="3875924"/>
-              <a:ext cx="4572000" cy="959819"/>
-            </a:xfrm>
-            <a:prstGeom prst="rect">
-              <a:avLst/>
-            </a:prstGeom>
-            <a:noFill/>
-          </p:spPr>
-          <p:txBody>
-            <a:bodyPr wrap="square" rtlCol="0">
-              <a:noAutofit/>
-            </a:bodyPr>
-            <a:lstStyle/>
-            <a:p>
-              <a:pPr algn="l"/>
-              <a:r>
-                <a:rPr lang="en-US" dirty="0">
-                  <a:latin typeface="Calibri" panose="020F0502020204030204" pitchFamily="34" charset="0"/>
-                  <a:cs typeface="Calibri" panose="020F0502020204030204" pitchFamily="34" charset="0"/>
-                </a:rPr>
-                <a:t>The entrance tank is built on the same slab as the flocculator and thus the elevation of the water leaving the entrance tank must match the water level at the entrance of the flocculator.</a:t>
-              </a:r>
-            </a:p>
-          </p:txBody>
-        </p:sp>
-        <p:sp>
-          <p:nvSpPr>
-            <p:cNvPr id="11" name="TextBox 10">
-              <a:extLst>
-                <a:ext uri="{FF2B5EF4-FFF2-40B4-BE49-F238E27FC236}">
-                  <a16:creationId xmlns:a16="http://schemas.microsoft.com/office/drawing/2014/main" id="{E5B0F152-05FA-49E7-8BB6-25C4C177445D}"/>
-                </a:ext>
-              </a:extLst>
-            </p:cNvPr>
-            <p:cNvSpPr txBox="1"/>
-            <p:nvPr/>
-          </p:nvSpPr>
-          <p:spPr>
-            <a:xfrm>
-              <a:off x="4339529" y="4968688"/>
-              <a:ext cx="4572000" cy="738664"/>
-            </a:xfrm>
-            <a:prstGeom prst="rect">
-              <a:avLst/>
-            </a:prstGeom>
-            <a:noFill/>
-          </p:spPr>
-          <p:txBody>
-            <a:bodyPr wrap="square" rtlCol="0">
-              <a:spAutoFit/>
-            </a:bodyPr>
-            <a:lstStyle/>
-            <a:p>
-              <a:pPr algn="l"/>
-              <a:r>
-                <a:rPr lang="en-US" dirty="0">
-                  <a:latin typeface="Calibri" panose="020F0502020204030204" pitchFamily="34" charset="0"/>
-                  <a:cs typeface="Calibri" panose="020F0502020204030204" pitchFamily="34" charset="0"/>
-                </a:rPr>
-                <a:t>The capture velocity for removal of grit. The entrance tank will capture grit that has a terminal velocity faster than this capture velocity.</a:t>
-              </a:r>
-            </a:p>
-          </p:txBody>
-        </p:sp>
-      </p:grpSp>
-      <p:cxnSp>
-        <p:nvCxnSpPr>
-          <p:cNvPr id="16" name="Straight Arrow Connector 15">
-            <a:extLst>
-              <a:ext uri="{FF2B5EF4-FFF2-40B4-BE49-F238E27FC236}">
-                <a16:creationId xmlns:a16="http://schemas.microsoft.com/office/drawing/2014/main" id="{9B73EFD3-954E-4A34-8566-C038881AE56A}"/>
-              </a:ext>
-            </a:extLst>
-          </p:cNvPr>
-          <p:cNvCxnSpPr>
-            <a:cxnSpLocks/>
-            <a:stCxn id="11" idx="1"/>
-          </p:cNvCxnSpPr>
-          <p:nvPr/>
-        </p:nvCxnSpPr>
-        <p:spPr>
-          <a:xfrm flipH="1" flipV="1">
-            <a:off x="4081806" y="4364610"/>
-            <a:ext cx="257723" cy="973410"/>
-          </a:xfrm>
-          <a:prstGeom prst="straightConnector1">
-            <a:avLst/>
-          </a:prstGeom>
-          <a:ln>
-            <a:headEnd type="triangle" w="med" len="med"/>
-            <a:tailEnd type="none" w="med" len="med"/>
-          </a:ln>
-        </p:spPr>
-        <p:style>
-          <a:lnRef idx="1">
-            <a:schemeClr val="accent1"/>
-          </a:lnRef>
-          <a:fillRef idx="0">
-            <a:schemeClr val="accent1"/>
-          </a:fillRef>
-          <a:effectRef idx="0">
-            <a:schemeClr val="accent1"/>
-          </a:effectRef>
-          <a:fontRef idx="minor">
-            <a:schemeClr val="tx1"/>
-          </a:fontRef>
-        </p:style>
-      </p:cxnSp>
-      <p:cxnSp>
-        <p:nvCxnSpPr>
-          <p:cNvPr id="18" name="Straight Arrow Connector 17">
-            <a:extLst>
-              <a:ext uri="{FF2B5EF4-FFF2-40B4-BE49-F238E27FC236}">
-                <a16:creationId xmlns:a16="http://schemas.microsoft.com/office/drawing/2014/main" id="{CAE13274-2DAA-474F-B6EB-9546BC449023}"/>
-              </a:ext>
-            </a:extLst>
-          </p:cNvPr>
-          <p:cNvCxnSpPr>
-            <a:cxnSpLocks/>
-            <a:stCxn id="10" idx="1"/>
-          </p:cNvCxnSpPr>
-          <p:nvPr/>
-        </p:nvCxnSpPr>
-        <p:spPr>
-          <a:xfrm flipH="1" flipV="1">
-            <a:off x="4091233" y="4147794"/>
-            <a:ext cx="248296" cy="208040"/>
-          </a:xfrm>
-          <a:prstGeom prst="straightConnector1">
-            <a:avLst/>
-          </a:prstGeom>
-          <a:ln>
-            <a:headEnd type="triangle" w="med" len="med"/>
-            <a:tailEnd type="none" w="med" len="med"/>
-          </a:ln>
-        </p:spPr>
-        <p:style>
-          <a:lnRef idx="1">
-            <a:schemeClr val="accent1"/>
-          </a:lnRef>
-          <a:fillRef idx="0">
-            <a:schemeClr val="accent1"/>
-          </a:fillRef>
-          <a:effectRef idx="0">
-            <a:schemeClr val="accent1"/>
-          </a:effectRef>
-          <a:fontRef idx="minor">
-            <a:schemeClr val="tx1"/>
-          </a:fontRef>
-        </p:style>
-      </p:cxnSp>
-      <p:cxnSp>
-        <p:nvCxnSpPr>
-          <p:cNvPr id="21" name="Straight Arrow Connector 20">
-            <a:extLst>
-              <a:ext uri="{FF2B5EF4-FFF2-40B4-BE49-F238E27FC236}">
-                <a16:creationId xmlns:a16="http://schemas.microsoft.com/office/drawing/2014/main" id="{6AB15511-C9C2-4035-B095-CD04B01A8620}"/>
-              </a:ext>
-            </a:extLst>
-          </p:cNvPr>
-          <p:cNvCxnSpPr>
-            <a:cxnSpLocks/>
-            <a:stCxn id="9" idx="1"/>
-          </p:cNvCxnSpPr>
-          <p:nvPr/>
-        </p:nvCxnSpPr>
-        <p:spPr>
-          <a:xfrm flipH="1">
-            <a:off x="4062953" y="3373647"/>
-            <a:ext cx="276576" cy="434782"/>
-          </a:xfrm>
-          <a:prstGeom prst="straightConnector1">
-            <a:avLst/>
-          </a:prstGeom>
-          <a:ln>
-            <a:headEnd type="triangle" w="med" len="med"/>
-            <a:tailEnd type="none" w="med" len="med"/>
-          </a:ln>
-        </p:spPr>
-        <p:style>
-          <a:lnRef idx="1">
-            <a:schemeClr val="accent1"/>
-          </a:lnRef>
-          <a:fillRef idx="0">
-            <a:schemeClr val="accent1"/>
-          </a:fillRef>
-          <a:effectRef idx="0">
-            <a:schemeClr val="accent1"/>
-          </a:effectRef>
-          <a:fontRef idx="minor">
-            <a:schemeClr val="tx1"/>
-          </a:fontRef>
-        </p:style>
-      </p:cxnSp>
-      <p:cxnSp>
-        <p:nvCxnSpPr>
-          <p:cNvPr id="25" name="Straight Arrow Connector 24">
-            <a:extLst>
-              <a:ext uri="{FF2B5EF4-FFF2-40B4-BE49-F238E27FC236}">
-                <a16:creationId xmlns:a16="http://schemas.microsoft.com/office/drawing/2014/main" id="{58D493C0-E6AB-4FA8-B100-315F1CCD39DB}"/>
-              </a:ext>
-            </a:extLst>
-          </p:cNvPr>
-          <p:cNvCxnSpPr>
-            <a:cxnSpLocks/>
-            <a:stCxn id="8" idx="1"/>
-          </p:cNvCxnSpPr>
-          <p:nvPr/>
-        </p:nvCxnSpPr>
-        <p:spPr>
-          <a:xfrm flipH="1">
-            <a:off x="4072379" y="2609760"/>
-            <a:ext cx="267150" cy="915865"/>
-          </a:xfrm>
-          <a:prstGeom prst="straightConnector1">
-            <a:avLst/>
-          </a:prstGeom>
-          <a:ln>
-            <a:headEnd type="triangle" w="med" len="med"/>
-            <a:tailEnd type="none" w="med" len="med"/>
-          </a:ln>
-        </p:spPr>
-        <p:style>
-          <a:lnRef idx="1">
-            <a:schemeClr val="accent1"/>
-          </a:lnRef>
-          <a:fillRef idx="0">
-            <a:schemeClr val="accent1"/>
-          </a:fillRef>
-          <a:effectRef idx="0">
-            <a:schemeClr val="accent1"/>
-          </a:effectRef>
-          <a:fontRef idx="minor">
-            <a:schemeClr val="tx1"/>
-          </a:fontRef>
-        </p:style>
-      </p:cxnSp>
-      <p:cxnSp>
-        <p:nvCxnSpPr>
-          <p:cNvPr id="28" name="Straight Arrow Connector 27">
-            <a:extLst>
-              <a:ext uri="{FF2B5EF4-FFF2-40B4-BE49-F238E27FC236}">
-                <a16:creationId xmlns:a16="http://schemas.microsoft.com/office/drawing/2014/main" id="{A1E0F9D8-2813-4060-8E76-2C36EEF649FF}"/>
-              </a:ext>
-            </a:extLst>
-          </p:cNvPr>
-          <p:cNvCxnSpPr>
-            <a:cxnSpLocks/>
-            <a:stCxn id="6" idx="1"/>
-          </p:cNvCxnSpPr>
-          <p:nvPr/>
-        </p:nvCxnSpPr>
-        <p:spPr>
-          <a:xfrm flipH="1">
-            <a:off x="3987538" y="1953595"/>
-            <a:ext cx="351990" cy="1242092"/>
-          </a:xfrm>
-          <a:prstGeom prst="straightConnector1">
-            <a:avLst/>
-          </a:prstGeom>
-          <a:ln>
-            <a:headEnd type="triangle" w="med" len="med"/>
-            <a:tailEnd type="none" w="med" len="med"/>
-          </a:ln>
-        </p:spPr>
-        <p:style>
-          <a:lnRef idx="1">
-            <a:schemeClr val="accent1"/>
-          </a:lnRef>
-          <a:fillRef idx="0">
-            <a:schemeClr val="accent1"/>
-          </a:fillRef>
-          <a:effectRef idx="0">
-            <a:schemeClr val="accent1"/>
-          </a:effectRef>
-          <a:fontRef idx="minor">
-            <a:schemeClr val="tx1"/>
-          </a:fontRef>
-        </p:style>
-      </p:cxnSp>
-    </p:spTree>
-    <p:extLst>
-      <p:ext uri="{BB962C8B-B14F-4D97-AF65-F5344CB8AC3E}">
-        <p14:creationId xmlns:p14="http://schemas.microsoft.com/office/powerpoint/2010/main" val="3330863922"/>
-      </p:ext>
-    </p:extLst>
-  </p:cSld>
-  <p:clrMapOvr>
-    <a:masterClrMapping/>
-  </p:clrMapOvr>
-</p:sld>
-</file>
-
-<file path=ppt/slides/slide6.xml><?xml version="1.0" encoding="utf-8"?>
-<p:sld xmlns:a="http://schemas.openxmlformats.org/drawingml/2006/main" xmlns:r="http://schemas.openxmlformats.org/officeDocument/2006/relationships" xmlns:p="http://schemas.openxmlformats.org/presentationml/2006/main">
-  <p:cSld>
-    <p:spTree>
-      <p:nvGrpSpPr>
-        <p:cNvPr id="1" name=""/>
-        <p:cNvGrpSpPr/>
-        <p:nvPr/>
-      </p:nvGrpSpPr>
-      <p:grpSpPr>
-        <a:xfrm>
-          <a:off x="0" y="0"/>
-          <a:ext cx="0" cy="0"/>
-          <a:chOff x="0" y="0"/>
-          <a:chExt cx="0" cy="0"/>
-        </a:xfrm>
-      </p:grpSpPr>
-      <p:sp>
-        <p:nvSpPr>
-          <p:cNvPr id="2" name="Title 1">
-            <a:extLst>
-              <a:ext uri="{FF2B5EF4-FFF2-40B4-BE49-F238E27FC236}">
                 <a16:creationId xmlns:a16="http://schemas.microsoft.com/office/drawing/2014/main" id="{A64B6A62-6D2E-4928-828D-5C5D3FF330CF}"/>
               </a:ext>
             </a:extLst>
@@ -17176,7 +16656,7 @@
         </p:blipFill>
         <p:spPr>
           <a:xfrm>
-            <a:off x="657726" y="2586401"/>
+            <a:off x="237597" y="100552"/>
             <a:ext cx="3606648" cy="2381088"/>
           </a:xfrm>
           <a:prstGeom prst="rect">
@@ -17198,7 +16678,7 @@
         </p:nvSpPr>
         <p:spPr>
           <a:xfrm>
-            <a:off x="3601453" y="3761874"/>
+            <a:off x="3181324" y="1276025"/>
             <a:ext cx="288758" cy="826168"/>
           </a:xfrm>
           <a:custGeom>
@@ -17309,7 +16789,7 @@
         </p:blipFill>
         <p:spPr>
           <a:xfrm>
-            <a:off x="4684543" y="2550265"/>
+            <a:off x="4264414" y="64416"/>
             <a:ext cx="3606648" cy="2381088"/>
           </a:xfrm>
           <a:prstGeom prst="rect">
@@ -17331,7 +16811,7 @@
         </p:nvSpPr>
         <p:spPr>
           <a:xfrm>
-            <a:off x="7024955" y="3780893"/>
+            <a:off x="6604826" y="1295044"/>
             <a:ext cx="743626" cy="815864"/>
           </a:xfrm>
           <a:custGeom>
@@ -17492,7 +16972,7 @@
         </p:blipFill>
         <p:spPr>
           <a:xfrm>
-            <a:off x="8400275" y="2485849"/>
+            <a:off x="7980146" y="0"/>
             <a:ext cx="3606648" cy="2381088"/>
           </a:xfrm>
           <a:prstGeom prst="rect">
@@ -17514,7 +16994,7 @@
         </p:nvSpPr>
         <p:spPr>
           <a:xfrm>
-            <a:off x="8883606" y="3725904"/>
+            <a:off x="8463477" y="1240055"/>
             <a:ext cx="1966499" cy="823209"/>
           </a:xfrm>
           <a:custGeom>
@@ -17683,70 +17163,12 @@
           </a:p>
         </p:txBody>
       </p:sp>
-    </p:spTree>
-    <p:extLst>
-      <p:ext uri="{BB962C8B-B14F-4D97-AF65-F5344CB8AC3E}">
-        <p14:creationId xmlns:p14="http://schemas.microsoft.com/office/powerpoint/2010/main" val="3665335971"/>
-      </p:ext>
-    </p:extLst>
-  </p:cSld>
-  <p:clrMapOvr>
-    <a:masterClrMapping/>
-  </p:clrMapOvr>
-</p:sld>
-</file>
-
-<file path=ppt/slides/slide7.xml><?xml version="1.0" encoding="utf-8"?>
-<p:sld xmlns:a="http://schemas.openxmlformats.org/drawingml/2006/main" xmlns:r="http://schemas.openxmlformats.org/officeDocument/2006/relationships" xmlns:p="http://schemas.openxmlformats.org/presentationml/2006/main">
-  <p:cSld>
-    <p:spTree>
-      <p:nvGrpSpPr>
-        <p:cNvPr id="1" name=""/>
-        <p:cNvGrpSpPr/>
-        <p:nvPr/>
-      </p:nvGrpSpPr>
-      <p:grpSpPr>
-        <a:xfrm>
-          <a:off x="0" y="0"/>
-          <a:ext cx="0" cy="0"/>
-          <a:chOff x="0" y="0"/>
-          <a:chExt cx="0" cy="0"/>
-        </a:xfrm>
-      </p:grpSpPr>
-      <p:sp>
-        <p:nvSpPr>
-          <p:cNvPr id="2" name="Title 1">
+      <p:pic>
+        <p:nvPicPr>
+          <p:cNvPr id="9" name="Picture 8">
             <a:extLst>
               <a:ext uri="{FF2B5EF4-FFF2-40B4-BE49-F238E27FC236}">
-                <a16:creationId xmlns:a16="http://schemas.microsoft.com/office/drawing/2014/main" id="{5BE670A6-3E78-41EC-9B24-7E0AA6AE2249}"/>
-              </a:ext>
-            </a:extLst>
-          </p:cNvPr>
-          <p:cNvSpPr>
-            <a:spLocks noGrp="1"/>
-          </p:cNvSpPr>
-          <p:nvPr>
-            <p:ph type="title"/>
-          </p:nvPr>
-        </p:nvSpPr>
-        <p:spPr/>
-        <p:txBody>
-          <a:bodyPr/>
-          <a:lstStyle/>
-          <a:p>
-            <a:r>
-              <a:rPr lang="en-US" dirty="0"/>
-              <a:t>Flocculator</a:t>
-            </a:r>
-          </a:p>
-        </p:txBody>
-      </p:sp>
-      <p:pic>
-        <p:nvPicPr>
-          <p:cNvPr id="3" name="Picture 2">
-            <a:extLst>
-              <a:ext uri="{FF2B5EF4-FFF2-40B4-BE49-F238E27FC236}">
-                <a16:creationId xmlns:a16="http://schemas.microsoft.com/office/drawing/2014/main" id="{F10EC7E2-4D7F-44D6-AFDC-FA0D03BED641}"/>
+                <a16:creationId xmlns:a16="http://schemas.microsoft.com/office/drawing/2014/main" id="{DB1ED45D-E845-4FCA-AF33-B693924D30DF}"/>
               </a:ext>
             </a:extLst>
           </p:cNvPr>
@@ -17755,15 +17177,16 @@
           </p:cNvPicPr>
           <p:nvPr/>
         </p:nvPicPr>
-        <p:blipFill rotWithShape="1">
+        <p:blipFill>
           <a:blip r:embed="rId2"/>
-          <a:srcRect b="29769"/>
-          <a:stretch/>
+          <a:stretch>
+            <a:fillRect/>
+          </a:stretch>
         </p:blipFill>
         <p:spPr>
           <a:xfrm>
-            <a:off x="775979" y="2926428"/>
-            <a:ext cx="2867425" cy="2107486"/>
+            <a:off x="582568" y="3278659"/>
+            <a:ext cx="3606648" cy="2381088"/>
           </a:xfrm>
           <a:prstGeom prst="rect">
             <a:avLst/>
@@ -17772,494 +17195,231 @@
       </p:pic>
       <p:sp>
         <p:nvSpPr>
-          <p:cNvPr id="4" name="TextBox 3">
+          <p:cNvPr id="10" name="Freeform: Shape 9">
             <a:extLst>
               <a:ext uri="{FF2B5EF4-FFF2-40B4-BE49-F238E27FC236}">
-                <a16:creationId xmlns:a16="http://schemas.microsoft.com/office/drawing/2014/main" id="{DE36913B-AE29-47AD-90FF-E20A2539CD78}"/>
+                <a16:creationId xmlns:a16="http://schemas.microsoft.com/office/drawing/2014/main" id="{58D79A59-13D1-4BE2-AC23-484BE79E1A34}"/>
               </a:ext>
             </a:extLst>
           </p:cNvPr>
-          <p:cNvSpPr txBox="1"/>
+          <p:cNvSpPr/>
           <p:nvPr/>
         </p:nvSpPr>
         <p:spPr>
           <a:xfrm>
-            <a:off x="724517" y="2106764"/>
-            <a:ext cx="3422266" cy="738664"/>
+            <a:off x="1519427" y="3594288"/>
+            <a:ext cx="901535" cy="654283"/>
           </a:xfrm>
-          <a:prstGeom prst="rect">
+          <a:custGeom>
             <a:avLst/>
-          </a:prstGeom>
+            <a:gdLst>
+              <a:gd name="connsiteX0" fmla="*/ 0 w 288758"/>
+              <a:gd name="connsiteY0" fmla="*/ 8021 h 826168"/>
+              <a:gd name="connsiteX1" fmla="*/ 144379 w 288758"/>
+              <a:gd name="connsiteY1" fmla="*/ 826168 h 826168"/>
+              <a:gd name="connsiteX2" fmla="*/ 288758 w 288758"/>
+              <a:gd name="connsiteY2" fmla="*/ 826168 h 826168"/>
+              <a:gd name="connsiteX3" fmla="*/ 160421 w 288758"/>
+              <a:gd name="connsiteY3" fmla="*/ 0 h 826168"/>
+              <a:gd name="connsiteX4" fmla="*/ 0 w 288758"/>
+              <a:gd name="connsiteY4" fmla="*/ 8021 h 826168"/>
+              <a:gd name="connsiteX0" fmla="*/ 0 w 612908"/>
+              <a:gd name="connsiteY0" fmla="*/ 0 h 818147"/>
+              <a:gd name="connsiteX1" fmla="*/ 144379 w 612908"/>
+              <a:gd name="connsiteY1" fmla="*/ 818147 h 818147"/>
+              <a:gd name="connsiteX2" fmla="*/ 288758 w 612908"/>
+              <a:gd name="connsiteY2" fmla="*/ 818147 h 818147"/>
+              <a:gd name="connsiteX3" fmla="*/ 612908 w 612908"/>
+              <a:gd name="connsiteY3" fmla="*/ 10832 h 818147"/>
+              <a:gd name="connsiteX4" fmla="*/ 0 w 612908"/>
+              <a:gd name="connsiteY4" fmla="*/ 0 h 818147"/>
+              <a:gd name="connsiteX0" fmla="*/ 0 w 741245"/>
+              <a:gd name="connsiteY0" fmla="*/ 0 h 818147"/>
+              <a:gd name="connsiteX1" fmla="*/ 144379 w 741245"/>
+              <a:gd name="connsiteY1" fmla="*/ 818147 h 818147"/>
+              <a:gd name="connsiteX2" fmla="*/ 741245 w 741245"/>
+              <a:gd name="connsiteY2" fmla="*/ 808720 h 818147"/>
+              <a:gd name="connsiteX3" fmla="*/ 612908 w 741245"/>
+              <a:gd name="connsiteY3" fmla="*/ 10832 h 818147"/>
+              <a:gd name="connsiteX4" fmla="*/ 0 w 741245"/>
+              <a:gd name="connsiteY4" fmla="*/ 0 h 818147"/>
+              <a:gd name="connsiteX0" fmla="*/ 0 w 741245"/>
+              <a:gd name="connsiteY0" fmla="*/ 0 h 813384"/>
+              <a:gd name="connsiteX1" fmla="*/ 125329 w 741245"/>
+              <a:gd name="connsiteY1" fmla="*/ 813384 h 813384"/>
+              <a:gd name="connsiteX2" fmla="*/ 741245 w 741245"/>
+              <a:gd name="connsiteY2" fmla="*/ 808720 h 813384"/>
+              <a:gd name="connsiteX3" fmla="*/ 612908 w 741245"/>
+              <a:gd name="connsiteY3" fmla="*/ 10832 h 813384"/>
+              <a:gd name="connsiteX4" fmla="*/ 0 w 741245"/>
+              <a:gd name="connsiteY4" fmla="*/ 0 h 813384"/>
+              <a:gd name="connsiteX0" fmla="*/ 0 w 741245"/>
+              <a:gd name="connsiteY0" fmla="*/ 0 h 825389"/>
+              <a:gd name="connsiteX1" fmla="*/ 125329 w 741245"/>
+              <a:gd name="connsiteY1" fmla="*/ 813384 h 825389"/>
+              <a:gd name="connsiteX2" fmla="*/ 741245 w 741245"/>
+              <a:gd name="connsiteY2" fmla="*/ 825389 h 825389"/>
+              <a:gd name="connsiteX3" fmla="*/ 612908 w 741245"/>
+              <a:gd name="connsiteY3" fmla="*/ 10832 h 825389"/>
+              <a:gd name="connsiteX4" fmla="*/ 0 w 741245"/>
+              <a:gd name="connsiteY4" fmla="*/ 0 h 825389"/>
+              <a:gd name="connsiteX0" fmla="*/ 0 w 743626"/>
+              <a:gd name="connsiteY0" fmla="*/ 0 h 815864"/>
+              <a:gd name="connsiteX1" fmla="*/ 125329 w 743626"/>
+              <a:gd name="connsiteY1" fmla="*/ 813384 h 815864"/>
+              <a:gd name="connsiteX2" fmla="*/ 743626 w 743626"/>
+              <a:gd name="connsiteY2" fmla="*/ 815864 h 815864"/>
+              <a:gd name="connsiteX3" fmla="*/ 612908 w 743626"/>
+              <a:gd name="connsiteY3" fmla="*/ 10832 h 815864"/>
+              <a:gd name="connsiteX4" fmla="*/ 0 w 743626"/>
+              <a:gd name="connsiteY4" fmla="*/ 0 h 815864"/>
+              <a:gd name="connsiteX0" fmla="*/ 0 w 1846798"/>
+              <a:gd name="connsiteY0" fmla="*/ 0 h 815864"/>
+              <a:gd name="connsiteX1" fmla="*/ 125329 w 1846798"/>
+              <a:gd name="connsiteY1" fmla="*/ 813384 h 815864"/>
+              <a:gd name="connsiteX2" fmla="*/ 743626 w 1846798"/>
+              <a:gd name="connsiteY2" fmla="*/ 815864 h 815864"/>
+              <a:gd name="connsiteX3" fmla="*/ 1846798 w 1846798"/>
+              <a:gd name="connsiteY3" fmla="*/ 36538 h 815864"/>
+              <a:gd name="connsiteX4" fmla="*/ 0 w 1846798"/>
+              <a:gd name="connsiteY4" fmla="*/ 0 h 815864"/>
+              <a:gd name="connsiteX0" fmla="*/ 0 w 1966499"/>
+              <a:gd name="connsiteY0" fmla="*/ 0 h 823209"/>
+              <a:gd name="connsiteX1" fmla="*/ 125329 w 1966499"/>
+              <a:gd name="connsiteY1" fmla="*/ 813384 h 823209"/>
+              <a:gd name="connsiteX2" fmla="*/ 1966499 w 1966499"/>
+              <a:gd name="connsiteY2" fmla="*/ 823209 h 823209"/>
+              <a:gd name="connsiteX3" fmla="*/ 1846798 w 1966499"/>
+              <a:gd name="connsiteY3" fmla="*/ 36538 h 823209"/>
+              <a:gd name="connsiteX4" fmla="*/ 0 w 1966499"/>
+              <a:gd name="connsiteY4" fmla="*/ 0 h 823209"/>
+              <a:gd name="connsiteX0" fmla="*/ 0 w 1966499"/>
+              <a:gd name="connsiteY0" fmla="*/ 0 h 823209"/>
+              <a:gd name="connsiteX1" fmla="*/ 136346 w 1966499"/>
+              <a:gd name="connsiteY1" fmla="*/ 809712 h 823209"/>
+              <a:gd name="connsiteX2" fmla="*/ 1966499 w 1966499"/>
+              <a:gd name="connsiteY2" fmla="*/ 823209 h 823209"/>
+              <a:gd name="connsiteX3" fmla="*/ 1846798 w 1966499"/>
+              <a:gd name="connsiteY3" fmla="*/ 36538 h 823209"/>
+              <a:gd name="connsiteX4" fmla="*/ 0 w 1966499"/>
+              <a:gd name="connsiteY4" fmla="*/ 0 h 823209"/>
+              <a:gd name="connsiteX0" fmla="*/ 0 w 1966499"/>
+              <a:gd name="connsiteY0" fmla="*/ 0 h 823209"/>
+              <a:gd name="connsiteX1" fmla="*/ 136346 w 1966499"/>
+              <a:gd name="connsiteY1" fmla="*/ 809712 h 823209"/>
+              <a:gd name="connsiteX2" fmla="*/ 1966499 w 1966499"/>
+              <a:gd name="connsiteY2" fmla="*/ 823209 h 823209"/>
+              <a:gd name="connsiteX3" fmla="*/ 796523 w 1966499"/>
+              <a:gd name="connsiteY3" fmla="*/ 14504 h 823209"/>
+              <a:gd name="connsiteX4" fmla="*/ 0 w 1966499"/>
+              <a:gd name="connsiteY4" fmla="*/ 0 h 823209"/>
+              <a:gd name="connsiteX0" fmla="*/ 0 w 894190"/>
+              <a:gd name="connsiteY0" fmla="*/ 0 h 809712"/>
+              <a:gd name="connsiteX1" fmla="*/ 136346 w 894190"/>
+              <a:gd name="connsiteY1" fmla="*/ 809712 h 809712"/>
+              <a:gd name="connsiteX2" fmla="*/ 894190 w 894190"/>
+              <a:gd name="connsiteY2" fmla="*/ 694679 h 809712"/>
+              <a:gd name="connsiteX3" fmla="*/ 796523 w 894190"/>
+              <a:gd name="connsiteY3" fmla="*/ 14504 h 809712"/>
+              <a:gd name="connsiteX4" fmla="*/ 0 w 894190"/>
+              <a:gd name="connsiteY4" fmla="*/ 0 h 809712"/>
+              <a:gd name="connsiteX0" fmla="*/ 0 w 894190"/>
+              <a:gd name="connsiteY0" fmla="*/ 0 h 694679"/>
+              <a:gd name="connsiteX1" fmla="*/ 95951 w 894190"/>
+              <a:gd name="connsiteY1" fmla="*/ 651804 h 694679"/>
+              <a:gd name="connsiteX2" fmla="*/ 894190 w 894190"/>
+              <a:gd name="connsiteY2" fmla="*/ 694679 h 694679"/>
+              <a:gd name="connsiteX3" fmla="*/ 796523 w 894190"/>
+              <a:gd name="connsiteY3" fmla="*/ 14504 h 694679"/>
+              <a:gd name="connsiteX4" fmla="*/ 0 w 894190"/>
+              <a:gd name="connsiteY4" fmla="*/ 0 h 694679"/>
+              <a:gd name="connsiteX0" fmla="*/ 0 w 901535"/>
+              <a:gd name="connsiteY0" fmla="*/ 0 h 654283"/>
+              <a:gd name="connsiteX1" fmla="*/ 95951 w 901535"/>
+              <a:gd name="connsiteY1" fmla="*/ 651804 h 654283"/>
+              <a:gd name="connsiteX2" fmla="*/ 901535 w 901535"/>
+              <a:gd name="connsiteY2" fmla="*/ 654283 h 654283"/>
+              <a:gd name="connsiteX3" fmla="*/ 796523 w 901535"/>
+              <a:gd name="connsiteY3" fmla="*/ 14504 h 654283"/>
+              <a:gd name="connsiteX4" fmla="*/ 0 w 901535"/>
+              <a:gd name="connsiteY4" fmla="*/ 0 h 654283"/>
+            </a:gdLst>
+            <a:ahLst/>
+            <a:cxnLst>
+              <a:cxn ang="0">
+                <a:pos x="connsiteX0" y="connsiteY0"/>
+              </a:cxn>
+              <a:cxn ang="0">
+                <a:pos x="connsiteX1" y="connsiteY1"/>
+              </a:cxn>
+              <a:cxn ang="0">
+                <a:pos x="connsiteX2" y="connsiteY2"/>
+              </a:cxn>
+              <a:cxn ang="0">
+                <a:pos x="connsiteX3" y="connsiteY3"/>
+              </a:cxn>
+              <a:cxn ang="0">
+                <a:pos x="connsiteX4" y="connsiteY4"/>
+              </a:cxn>
+            </a:cxnLst>
+            <a:rect l="l" t="t" r="r" b="b"/>
+            <a:pathLst>
+              <a:path w="901535" h="654283">
+                <a:moveTo>
+                  <a:pt x="0" y="0"/>
+                </a:moveTo>
+                <a:lnTo>
+                  <a:pt x="95951" y="651804"/>
+                </a:lnTo>
+                <a:lnTo>
+                  <a:pt x="901535" y="654283"/>
+                </a:lnTo>
+                <a:lnTo>
+                  <a:pt x="796523" y="14504"/>
+                </a:lnTo>
+                <a:lnTo>
+                  <a:pt x="0" y="0"/>
+                </a:lnTo>
+                <a:close/>
+              </a:path>
+            </a:pathLst>
+          </a:custGeom>
           <a:noFill/>
-        </p:spPr>
-        <p:txBody>
-          <a:bodyPr wrap="square" rtlCol="0">
-            <a:spAutoFit/>
-          </a:bodyPr>
-          <a:lstStyle/>
-          <a:p>
-            <a:pPr algn="l"/>
-            <a:r>
-              <a:rPr lang="en-US" dirty="0">
-                <a:latin typeface="Calibri" panose="020F0502020204030204" pitchFamily="34" charset="0"/>
-                <a:cs typeface="Calibri" panose="020F0502020204030204" pitchFamily="34" charset="0"/>
-              </a:rPr>
-              <a:t>The maximum flow rate sets the size of the entrance tank. Vary it to see how the dimensions change.</a:t>
-            </a:r>
-          </a:p>
-        </p:txBody>
-      </p:sp>
-      <p:sp>
-        <p:nvSpPr>
-          <p:cNvPr id="5" name="TextBox 4">
-            <a:extLst>
-              <a:ext uri="{FF2B5EF4-FFF2-40B4-BE49-F238E27FC236}">
-                <a16:creationId xmlns:a16="http://schemas.microsoft.com/office/drawing/2014/main" id="{07987981-6F81-487C-AFF5-B62E923E0931}"/>
-              </a:ext>
-            </a:extLst>
-          </p:cNvPr>
-          <p:cNvSpPr txBox="1"/>
-          <p:nvPr/>
-        </p:nvSpPr>
-        <p:spPr>
-          <a:xfrm>
-            <a:off x="4169846" y="2115358"/>
-            <a:ext cx="4572000" cy="523220"/>
-          </a:xfrm>
-          <a:prstGeom prst="rect">
-            <a:avLst/>
-          </a:prstGeom>
-          <a:noFill/>
-        </p:spPr>
-        <p:txBody>
-          <a:bodyPr wrap="square" rtlCol="0">
-            <a:spAutoFit/>
-          </a:bodyPr>
-          <a:lstStyle/>
-          <a:p>
-            <a:pPr algn="l"/>
-            <a:r>
-              <a:rPr lang="en-US" dirty="0">
-                <a:latin typeface="Calibri" panose="020F0502020204030204" pitchFamily="34" charset="0"/>
-                <a:cs typeface="Calibri" panose="020F0502020204030204" pitchFamily="34" charset="0"/>
-              </a:rPr>
-              <a:t>The flow is turbulent throughout the entrance tank and thus temperature doesn’t have a significant effect on the design.</a:t>
-            </a:r>
-          </a:p>
-        </p:txBody>
-      </p:sp>
-      <p:sp>
-        <p:nvSpPr>
-          <p:cNvPr id="6" name="TextBox 5">
-            <a:extLst>
-              <a:ext uri="{FF2B5EF4-FFF2-40B4-BE49-F238E27FC236}">
-                <a16:creationId xmlns:a16="http://schemas.microsoft.com/office/drawing/2014/main" id="{C8FF7DC4-9B9A-4B88-8A86-015B242326D0}"/>
-              </a:ext>
-            </a:extLst>
-          </p:cNvPr>
-          <p:cNvSpPr txBox="1"/>
-          <p:nvPr/>
-        </p:nvSpPr>
-        <p:spPr>
-          <a:xfrm>
-            <a:off x="4169846" y="2768931"/>
-            <a:ext cx="4572000" cy="738664"/>
-          </a:xfrm>
-          <a:prstGeom prst="rect">
-            <a:avLst/>
-          </a:prstGeom>
-          <a:noFill/>
-        </p:spPr>
-        <p:txBody>
-          <a:bodyPr wrap="square" rtlCol="0">
-            <a:spAutoFit/>
-          </a:bodyPr>
-          <a:lstStyle/>
-          <a:p>
-            <a:pPr algn="l"/>
-            <a:r>
-              <a:rPr lang="en-US" dirty="0">
-                <a:latin typeface="Calibri" panose="020F0502020204030204" pitchFamily="34" charset="0"/>
-                <a:cs typeface="Calibri" panose="020F0502020204030204" pitchFamily="34" charset="0"/>
-              </a:rPr>
-              <a:t>The inside length of the flocculator that enables fitting the flocculator next to the clarifier to make a compact plant layout.</a:t>
-            </a:r>
-          </a:p>
-        </p:txBody>
-      </p:sp>
-      <p:sp>
-        <p:nvSpPr>
-          <p:cNvPr id="7" name="TextBox 6">
-            <a:extLst>
-              <a:ext uri="{FF2B5EF4-FFF2-40B4-BE49-F238E27FC236}">
-                <a16:creationId xmlns:a16="http://schemas.microsoft.com/office/drawing/2014/main" id="{7E8ABF04-020E-457E-A8C7-24548EABCBB4}"/>
-              </a:ext>
-            </a:extLst>
-          </p:cNvPr>
-          <p:cNvSpPr txBox="1"/>
-          <p:nvPr/>
-        </p:nvSpPr>
-        <p:spPr>
-          <a:xfrm>
-            <a:off x="4169846" y="3574474"/>
-            <a:ext cx="4572000" cy="752430"/>
-          </a:xfrm>
-          <a:prstGeom prst="rect">
-            <a:avLst/>
-          </a:prstGeom>
-          <a:noFill/>
-        </p:spPr>
-        <p:txBody>
-          <a:bodyPr wrap="square" rtlCol="0">
-            <a:noAutofit/>
-          </a:bodyPr>
-          <a:lstStyle/>
-          <a:p>
-            <a:pPr algn="l"/>
-            <a:r>
-              <a:rPr lang="en-US" dirty="0">
-                <a:latin typeface="Calibri" panose="020F0502020204030204" pitchFamily="34" charset="0"/>
-                <a:cs typeface="Calibri" panose="020F0502020204030204" pitchFamily="34" charset="0"/>
-              </a:rPr>
-              <a:t>The flocculator is built on the same slab as the clarifier and thus the elevation of the water leaving the flocculator must match the water level at the entrance of the clarifier.</a:t>
-            </a:r>
-          </a:p>
-        </p:txBody>
-      </p:sp>
-      <p:sp>
-        <p:nvSpPr>
-          <p:cNvPr id="8" name="TextBox 7">
-            <a:extLst>
-              <a:ext uri="{FF2B5EF4-FFF2-40B4-BE49-F238E27FC236}">
-                <a16:creationId xmlns:a16="http://schemas.microsoft.com/office/drawing/2014/main" id="{E07E481E-8A37-4BA0-8ED3-60881E7651F5}"/>
-              </a:ext>
-            </a:extLst>
-          </p:cNvPr>
-          <p:cNvSpPr txBox="1"/>
-          <p:nvPr/>
-        </p:nvSpPr>
-        <p:spPr>
-          <a:xfrm>
-            <a:off x="4169846" y="4393650"/>
-            <a:ext cx="4572000" cy="738664"/>
-          </a:xfrm>
-          <a:prstGeom prst="rect">
-            <a:avLst/>
-          </a:prstGeom>
-          <a:noFill/>
-        </p:spPr>
-        <p:txBody>
-          <a:bodyPr wrap="square" rtlCol="0">
-            <a:spAutoFit/>
-          </a:bodyPr>
-          <a:lstStyle/>
-          <a:p>
-            <a:pPr algn="l"/>
-            <a:r>
-              <a:rPr lang="en-US" dirty="0">
-                <a:latin typeface="Calibri" panose="020F0502020204030204" pitchFamily="34" charset="0"/>
-                <a:cs typeface="Calibri" panose="020F0502020204030204" pitchFamily="34" charset="0"/>
-              </a:rPr>
-              <a:t>The collision potential is a measure of the total deformation of the fluid in the flocculator. The larger this number the more opportunity for collisions between particles. </a:t>
-            </a:r>
-          </a:p>
-        </p:txBody>
-      </p:sp>
-      <p:cxnSp>
-        <p:nvCxnSpPr>
-          <p:cNvPr id="9" name="Straight Arrow Connector 8">
-            <a:extLst>
-              <a:ext uri="{FF2B5EF4-FFF2-40B4-BE49-F238E27FC236}">
-                <a16:creationId xmlns:a16="http://schemas.microsoft.com/office/drawing/2014/main" id="{BD9220D9-A683-450C-87F0-E686C845B86F}"/>
-              </a:ext>
-            </a:extLst>
-          </p:cNvPr>
-          <p:cNvCxnSpPr>
-            <a:cxnSpLocks/>
-            <a:stCxn id="8" idx="1"/>
-          </p:cNvCxnSpPr>
-          <p:nvPr/>
-        </p:nvCxnSpPr>
-        <p:spPr>
-          <a:xfrm flipH="1" flipV="1">
-            <a:off x="3619894" y="4534296"/>
-            <a:ext cx="549952" cy="228686"/>
-          </a:xfrm>
-          <a:prstGeom prst="straightConnector1">
-            <a:avLst/>
-          </a:prstGeom>
           <a:ln>
-            <a:tailEnd type="triangle"/>
+            <a:solidFill>
+              <a:srgbClr val="C00000"/>
+            </a:solidFill>
           </a:ln>
         </p:spPr>
         <p:style>
-          <a:lnRef idx="1">
-            <a:schemeClr val="accent1"/>
+          <a:lnRef idx="2">
+            <a:schemeClr val="accent1">
+              <a:shade val="50000"/>
+            </a:schemeClr>
           </a:lnRef>
-          <a:fillRef idx="0">
+          <a:fillRef idx="1">
             <a:schemeClr val="accent1"/>
           </a:fillRef>
           <a:effectRef idx="0">
             <a:schemeClr val="accent1"/>
           </a:effectRef>
           <a:fontRef idx="minor">
-            <a:schemeClr val="tx1"/>
+            <a:schemeClr val="lt1"/>
           </a:fontRef>
         </p:style>
-      </p:cxnSp>
-      <p:cxnSp>
-        <p:nvCxnSpPr>
-          <p:cNvPr id="10" name="Straight Arrow Connector 9">
-            <a:extLst>
-              <a:ext uri="{FF2B5EF4-FFF2-40B4-BE49-F238E27FC236}">
-                <a16:creationId xmlns:a16="http://schemas.microsoft.com/office/drawing/2014/main" id="{67D9E1C1-6274-4390-8400-471E59F0E3B0}"/>
-              </a:ext>
-            </a:extLst>
-          </p:cNvPr>
-          <p:cNvCxnSpPr>
-            <a:cxnSpLocks/>
-            <a:stCxn id="7" idx="1"/>
-          </p:cNvCxnSpPr>
-          <p:nvPr/>
-        </p:nvCxnSpPr>
-        <p:spPr>
-          <a:xfrm flipH="1">
-            <a:off x="3610466" y="3950689"/>
-            <a:ext cx="559380" cy="272519"/>
-          </a:xfrm>
-          <a:prstGeom prst="straightConnector1">
-            <a:avLst/>
-          </a:prstGeom>
-          <a:ln>
-            <a:tailEnd type="triangle"/>
-          </a:ln>
-        </p:spPr>
-        <p:style>
-          <a:lnRef idx="1">
-            <a:schemeClr val="accent1"/>
-          </a:lnRef>
-          <a:fillRef idx="0">
-            <a:schemeClr val="accent1"/>
-          </a:fillRef>
-          <a:effectRef idx="0">
-            <a:schemeClr val="accent1"/>
-          </a:effectRef>
-          <a:fontRef idx="minor">
-            <a:schemeClr val="tx1"/>
-          </a:fontRef>
-        </p:style>
-      </p:cxnSp>
-      <p:cxnSp>
-        <p:nvCxnSpPr>
-          <p:cNvPr id="11" name="Straight Arrow Connector 10">
-            <a:extLst>
-              <a:ext uri="{FF2B5EF4-FFF2-40B4-BE49-F238E27FC236}">
-                <a16:creationId xmlns:a16="http://schemas.microsoft.com/office/drawing/2014/main" id="{422AECBA-54A1-4911-9764-7BD7F8A2FF97}"/>
-              </a:ext>
-            </a:extLst>
-          </p:cNvPr>
-          <p:cNvCxnSpPr>
-            <a:cxnSpLocks/>
-            <a:stCxn id="6" idx="1"/>
-          </p:cNvCxnSpPr>
-          <p:nvPr/>
-        </p:nvCxnSpPr>
-        <p:spPr>
-          <a:xfrm flipH="1">
-            <a:off x="3544478" y="3138263"/>
-            <a:ext cx="625368" cy="755007"/>
-          </a:xfrm>
-          <a:prstGeom prst="straightConnector1">
-            <a:avLst/>
-          </a:prstGeom>
-          <a:ln>
-            <a:tailEnd type="triangle"/>
-          </a:ln>
-        </p:spPr>
-        <p:style>
-          <a:lnRef idx="1">
-            <a:schemeClr val="accent1"/>
-          </a:lnRef>
-          <a:fillRef idx="0">
-            <a:schemeClr val="accent1"/>
-          </a:fillRef>
-          <a:effectRef idx="0">
-            <a:schemeClr val="accent1"/>
-          </a:effectRef>
-          <a:fontRef idx="minor">
-            <a:schemeClr val="tx1"/>
-          </a:fontRef>
-        </p:style>
-      </p:cxnSp>
-      <p:cxnSp>
-        <p:nvCxnSpPr>
-          <p:cNvPr id="12" name="Straight Arrow Connector 11">
-            <a:extLst>
-              <a:ext uri="{FF2B5EF4-FFF2-40B4-BE49-F238E27FC236}">
-                <a16:creationId xmlns:a16="http://schemas.microsoft.com/office/drawing/2014/main" id="{8C55A2A4-70B4-488C-A5BC-EAADFCA67503}"/>
-              </a:ext>
-            </a:extLst>
-          </p:cNvPr>
-          <p:cNvCxnSpPr>
-            <a:cxnSpLocks/>
-            <a:stCxn id="5" idx="1"/>
-          </p:cNvCxnSpPr>
-          <p:nvPr/>
-        </p:nvCxnSpPr>
-        <p:spPr>
-          <a:xfrm flipH="1">
-            <a:off x="3553906" y="2376968"/>
-            <a:ext cx="615940" cy="1271205"/>
-          </a:xfrm>
-          <a:prstGeom prst="straightConnector1">
-            <a:avLst/>
-          </a:prstGeom>
-          <a:ln>
-            <a:tailEnd type="triangle"/>
-          </a:ln>
-        </p:spPr>
-        <p:style>
-          <a:lnRef idx="1">
-            <a:schemeClr val="accent1"/>
-          </a:lnRef>
-          <a:fillRef idx="0">
-            <a:schemeClr val="accent1"/>
-          </a:fillRef>
-          <a:effectRef idx="0">
-            <a:schemeClr val="accent1"/>
-          </a:effectRef>
-          <a:fontRef idx="minor">
-            <a:schemeClr val="tx1"/>
-          </a:fontRef>
-        </p:style>
-      </p:cxnSp>
-      <p:cxnSp>
-        <p:nvCxnSpPr>
-          <p:cNvPr id="13" name="Straight Arrow Connector 12">
-            <a:extLst>
-              <a:ext uri="{FF2B5EF4-FFF2-40B4-BE49-F238E27FC236}">
-                <a16:creationId xmlns:a16="http://schemas.microsoft.com/office/drawing/2014/main" id="{F3F34272-F02A-4C9C-9D65-542315E3B4B6}"/>
-              </a:ext>
-            </a:extLst>
-          </p:cNvPr>
-          <p:cNvCxnSpPr>
-            <a:cxnSpLocks/>
-            <a:stCxn id="4" idx="2"/>
-          </p:cNvCxnSpPr>
-          <p:nvPr/>
-        </p:nvCxnSpPr>
-        <p:spPr>
-          <a:xfrm>
-            <a:off x="2435650" y="2845428"/>
-            <a:ext cx="826024" cy="529368"/>
-          </a:xfrm>
-          <a:prstGeom prst="straightConnector1">
-            <a:avLst/>
-          </a:prstGeom>
-          <a:ln>
-            <a:tailEnd type="triangle"/>
-          </a:ln>
-        </p:spPr>
-        <p:style>
-          <a:lnRef idx="1">
-            <a:schemeClr val="accent1"/>
-          </a:lnRef>
-          <a:fillRef idx="0">
-            <a:schemeClr val="accent1"/>
-          </a:fillRef>
-          <a:effectRef idx="0">
-            <a:schemeClr val="accent1"/>
-          </a:effectRef>
-          <a:fontRef idx="minor">
-            <a:schemeClr val="tx1"/>
-          </a:fontRef>
-        </p:style>
-      </p:cxnSp>
-      <p:sp>
-        <p:nvSpPr>
-          <p:cNvPr id="20" name="TextBox 19">
-            <a:extLst>
-              <a:ext uri="{FF2B5EF4-FFF2-40B4-BE49-F238E27FC236}">
-                <a16:creationId xmlns:a16="http://schemas.microsoft.com/office/drawing/2014/main" id="{C3BDD6B4-5235-45D9-8338-3A646C02E3FC}"/>
-              </a:ext>
-            </a:extLst>
-          </p:cNvPr>
-          <p:cNvSpPr txBox="1"/>
-          <p:nvPr/>
-        </p:nvSpPr>
-        <p:spPr>
-          <a:xfrm>
-            <a:off x="4169846" y="5196501"/>
-            <a:ext cx="4572000" cy="738664"/>
-          </a:xfrm>
-          <a:prstGeom prst="rect">
-            <a:avLst/>
-          </a:prstGeom>
-          <a:noFill/>
-        </p:spPr>
         <p:txBody>
-          <a:bodyPr wrap="square" rtlCol="0">
-            <a:spAutoFit/>
-          </a:bodyPr>
+          <a:bodyPr rtlCol="0" anchor="ctr"/>
           <a:lstStyle/>
           <a:p>
-            <a:pPr algn="l"/>
-            <a:r>
-              <a:rPr lang="en-US" dirty="0">
-                <a:latin typeface="Calibri" panose="020F0502020204030204" pitchFamily="34" charset="0"/>
-                <a:cs typeface="Calibri" panose="020F0502020204030204" pitchFamily="34" charset="0"/>
-              </a:rPr>
-              <a:t>The velocity gradient is a measure of the rate of fluid deformation. Higher velocity gradients require more energy and prevent formation of large flocs.</a:t>
-            </a:r>
+            <a:pPr algn="ctr"/>
+            <a:endParaRPr lang="en-US"/>
           </a:p>
         </p:txBody>
       </p:sp>
-      <p:cxnSp>
-        <p:nvCxnSpPr>
-          <p:cNvPr id="21" name="Straight Arrow Connector 20">
-            <a:extLst>
-              <a:ext uri="{FF2B5EF4-FFF2-40B4-BE49-F238E27FC236}">
-                <a16:creationId xmlns:a16="http://schemas.microsoft.com/office/drawing/2014/main" id="{56093354-B797-4CB2-B9AE-ED6FE75CE1B8}"/>
-              </a:ext>
-            </a:extLst>
-          </p:cNvPr>
-          <p:cNvCxnSpPr>
-            <a:cxnSpLocks/>
-            <a:stCxn id="20" idx="1"/>
-          </p:cNvCxnSpPr>
-          <p:nvPr/>
-        </p:nvCxnSpPr>
-        <p:spPr>
-          <a:xfrm flipH="1" flipV="1">
-            <a:off x="3582186" y="4864231"/>
-            <a:ext cx="587660" cy="701602"/>
-          </a:xfrm>
-          <a:prstGeom prst="straightConnector1">
-            <a:avLst/>
-          </a:prstGeom>
-          <a:ln>
-            <a:tailEnd type="triangle"/>
-          </a:ln>
-        </p:spPr>
-        <p:style>
-          <a:lnRef idx="1">
-            <a:schemeClr val="accent1"/>
-          </a:lnRef>
-          <a:fillRef idx="0">
-            <a:schemeClr val="accent1"/>
-          </a:fillRef>
-          <a:effectRef idx="0">
-            <a:schemeClr val="accent1"/>
-          </a:effectRef>
-          <a:fontRef idx="minor">
-            <a:schemeClr val="tx1"/>
-          </a:fontRef>
-        </p:style>
-      </p:cxnSp>
     </p:spTree>
     <p:extLst>
       <p:ext uri="{BB962C8B-B14F-4D97-AF65-F5344CB8AC3E}">
-        <p14:creationId xmlns:p14="http://schemas.microsoft.com/office/powerpoint/2010/main" val="3736068545"/>
+        <p14:creationId xmlns:p14="http://schemas.microsoft.com/office/powerpoint/2010/main" val="3665335971"/>
       </p:ext>
     </p:extLst>
   </p:cSld>

--- a/Images/Donate.pptx
+++ b/Images/Donate.pptx
@@ -16294,121 +16294,100 @@
           </a:p>
         </p:txBody>
       </p:sp>
-      <p:grpSp>
-        <p:nvGrpSpPr>
-          <p:cNvPr id="7" name="Group 6">
+      <p:sp>
+        <p:nvSpPr>
+          <p:cNvPr id="5" name="Rectangle: Rounded Corners 4">
             <a:extLst>
               <a:ext uri="{FF2B5EF4-FFF2-40B4-BE49-F238E27FC236}">
-                <a16:creationId xmlns:a16="http://schemas.microsoft.com/office/drawing/2014/main" id="{BC0EA8EA-94A7-47BC-AB70-5292E0D982C7}"/>
+                <a16:creationId xmlns:a16="http://schemas.microsoft.com/office/drawing/2014/main" id="{79BF7578-BE11-4421-8F43-D58B530B9BB2}"/>
               </a:ext>
             </a:extLst>
           </p:cNvPr>
-          <p:cNvGrpSpPr/>
+          <p:cNvSpPr/>
           <p:nvPr/>
-        </p:nvGrpSpPr>
-        <p:grpSpPr>
+        </p:nvSpPr>
+        <p:spPr>
           <a:xfrm>
             <a:off x="3051887" y="2149972"/>
             <a:ext cx="1614382" cy="457200"/>
-            <a:chOff x="3051887" y="2149972"/>
-            <a:chExt cx="1614382" cy="457200"/>
           </a:xfrm>
-        </p:grpSpPr>
-        <p:sp>
-          <p:nvSpPr>
-            <p:cNvPr id="5" name="Rectangle: Rounded Corners 4">
-              <a:extLst>
-                <a:ext uri="{FF2B5EF4-FFF2-40B4-BE49-F238E27FC236}">
-                  <a16:creationId xmlns:a16="http://schemas.microsoft.com/office/drawing/2014/main" id="{79BF7578-BE11-4421-8F43-D58B530B9BB2}"/>
-                </a:ext>
-              </a:extLst>
-            </p:cNvPr>
-            <p:cNvSpPr/>
-            <p:nvPr/>
-          </p:nvSpPr>
-          <p:spPr>
-            <a:xfrm>
-              <a:off x="3051887" y="2149972"/>
-              <a:ext cx="1614382" cy="457200"/>
-            </a:xfrm>
-            <a:prstGeom prst="roundRect">
-              <a:avLst>
-                <a:gd name="adj" fmla="val 50000"/>
-              </a:avLst>
-            </a:prstGeom>
+          <a:prstGeom prst="roundRect">
+            <a:avLst>
+              <a:gd name="adj" fmla="val 50000"/>
+            </a:avLst>
+          </a:prstGeom>
+          <a:solidFill>
+            <a:srgbClr val="1F4E79"/>
+          </a:solidFill>
+          <a:ln>
             <a:solidFill>
-              <a:srgbClr val="1F4E79"/>
+              <a:srgbClr val="39B54A"/>
             </a:solidFill>
-            <a:ln>
-              <a:solidFill>
-                <a:srgbClr val="39B54A"/>
-              </a:solidFill>
-            </a:ln>
-          </p:spPr>
-          <p:style>
-            <a:lnRef idx="2">
-              <a:schemeClr val="accent1">
-                <a:shade val="50000"/>
-              </a:schemeClr>
-            </a:lnRef>
-            <a:fillRef idx="1">
-              <a:schemeClr val="accent1"/>
-            </a:fillRef>
-            <a:effectRef idx="0">
-              <a:schemeClr val="accent1"/>
-            </a:effectRef>
-            <a:fontRef idx="minor">
-              <a:schemeClr val="lt1"/>
-            </a:fontRef>
-          </p:style>
-          <p:txBody>
-            <a:bodyPr rot="0" spcFirstLastPara="0" vertOverflow="overflow" horzOverflow="overflow" vert="horz" wrap="square" lIns="91440" tIns="45720" rIns="91440" bIns="45720" numCol="1" spcCol="0" rtlCol="0" fromWordArt="0" anchor="ctr" anchorCtr="0" forceAA="0" compatLnSpc="1">
-              <a:prstTxWarp prst="textNoShape">
-                <a:avLst/>
-              </a:prstTxWarp>
-              <a:noAutofit/>
-            </a:bodyPr>
-            <a:lstStyle/>
-            <a:p>
-              <a:r>
-                <a:rPr lang="en-US" sz="2400" dirty="0">
-                  <a:latin typeface="Lato" panose="020F0502020204030203" pitchFamily="34" charset="0"/>
-                </a:rPr>
-                <a:t>Donate</a:t>
-              </a:r>
-            </a:p>
-          </p:txBody>
-        </p:sp>
-        <p:pic>
-          <p:nvPicPr>
-            <p:cNvPr id="3" name="Picture 2">
-              <a:extLst>
-                <a:ext uri="{FF2B5EF4-FFF2-40B4-BE49-F238E27FC236}">
-                  <a16:creationId xmlns:a16="http://schemas.microsoft.com/office/drawing/2014/main" id="{E5C183C4-C342-4E41-A436-1169448A6585}"/>
-                </a:ext>
-              </a:extLst>
-            </p:cNvPr>
-            <p:cNvPicPr>
-              <a:picLocks noChangeAspect="1"/>
-            </p:cNvPicPr>
-            <p:nvPr/>
-          </p:nvPicPr>
-          <p:blipFill rotWithShape="1">
-            <a:blip r:embed="rId2"/>
-            <a:srcRect r="78073"/>
-            <a:stretch/>
-          </p:blipFill>
-          <p:spPr>
-            <a:xfrm>
-              <a:off x="4278981" y="2215299"/>
-              <a:ext cx="255311" cy="309909"/>
-            </a:xfrm>
-            <a:prstGeom prst="rect">
+          </a:ln>
+        </p:spPr>
+        <p:style>
+          <a:lnRef idx="2">
+            <a:schemeClr val="accent1">
+              <a:shade val="50000"/>
+            </a:schemeClr>
+          </a:lnRef>
+          <a:fillRef idx="1">
+            <a:schemeClr val="accent1"/>
+          </a:fillRef>
+          <a:effectRef idx="0">
+            <a:schemeClr val="accent1"/>
+          </a:effectRef>
+          <a:fontRef idx="minor">
+            <a:schemeClr val="lt1"/>
+          </a:fontRef>
+        </p:style>
+        <p:txBody>
+          <a:bodyPr rot="0" spcFirstLastPara="0" vertOverflow="overflow" horzOverflow="overflow" vert="horz" wrap="square" lIns="91440" tIns="45720" rIns="91440" bIns="45720" numCol="1" spcCol="0" rtlCol="0" fromWordArt="0" anchor="ctr" anchorCtr="0" forceAA="0" compatLnSpc="1">
+            <a:prstTxWarp prst="textNoShape">
               <a:avLst/>
-            </a:prstGeom>
-          </p:spPr>
-        </p:pic>
-      </p:grpSp>
+            </a:prstTxWarp>
+            <a:noAutofit/>
+          </a:bodyPr>
+          <a:lstStyle/>
+          <a:p>
+            <a:r>
+              <a:rPr lang="en-US" sz="2400" dirty="0">
+                <a:latin typeface="Lato" panose="020F0502020204030203" pitchFamily="34" charset="0"/>
+              </a:rPr>
+              <a:t>Donate</a:t>
+            </a:r>
+          </a:p>
+        </p:txBody>
+      </p:sp>
+      <p:pic>
+        <p:nvPicPr>
+          <p:cNvPr id="3" name="Picture 2">
+            <a:extLst>
+              <a:ext uri="{FF2B5EF4-FFF2-40B4-BE49-F238E27FC236}">
+                <a16:creationId xmlns:a16="http://schemas.microsoft.com/office/drawing/2014/main" id="{E5C183C4-C342-4E41-A436-1169448A6585}"/>
+              </a:ext>
+            </a:extLst>
+          </p:cNvPr>
+          <p:cNvPicPr>
+            <a:picLocks noChangeAspect="1"/>
+          </p:cNvPicPr>
+          <p:nvPr/>
+        </p:nvPicPr>
+        <p:blipFill rotWithShape="1">
+          <a:blip r:embed="rId2"/>
+          <a:srcRect r="78073"/>
+          <a:stretch/>
+        </p:blipFill>
+        <p:spPr>
+          <a:xfrm>
+            <a:off x="4278981" y="2215299"/>
+            <a:ext cx="255311" cy="309909"/>
+          </a:xfrm>
+          <a:prstGeom prst="rect">
+            <a:avLst/>
+          </a:prstGeom>
+        </p:spPr>
+      </p:pic>
       <p:sp>
         <p:nvSpPr>
           <p:cNvPr id="6" name="Rectangle 5">

--- a/Images/Donate.pptx
+++ b/Images/Donate.pptx
@@ -17395,6 +17395,36 @@
           </a:p>
         </p:txBody>
       </p:sp>
+      <p:pic>
+        <p:nvPicPr>
+          <p:cNvPr id="11" name="Picture 10">
+            <a:extLst>
+              <a:ext uri="{FF2B5EF4-FFF2-40B4-BE49-F238E27FC236}">
+                <a16:creationId xmlns:a16="http://schemas.microsoft.com/office/drawing/2014/main" id="{D17D046F-FB54-4FD9-8B67-7EC88E1C6A5A}"/>
+              </a:ext>
+            </a:extLst>
+          </p:cNvPr>
+          <p:cNvPicPr>
+            <a:picLocks noChangeAspect="1"/>
+          </p:cNvPicPr>
+          <p:nvPr/>
+        </p:nvPicPr>
+        <p:blipFill>
+          <a:blip r:embed="rId2"/>
+          <a:stretch>
+            <a:fillRect/>
+          </a:stretch>
+        </p:blipFill>
+        <p:spPr>
+          <a:xfrm>
+            <a:off x="4553206" y="3270421"/>
+            <a:ext cx="3606648" cy="2381088"/>
+          </a:xfrm>
+          <a:prstGeom prst="rect">
+            <a:avLst/>
+          </a:prstGeom>
+        </p:spPr>
+      </p:pic>
     </p:spTree>
     <p:extLst>
       <p:ext uri="{BB962C8B-B14F-4D97-AF65-F5344CB8AC3E}">

--- a/Images/Donate.pptx
+++ b/Images/Donate.pptx
@@ -5,7 +5,7 @@
     <p:sldMasterId id="2147483659" r:id="rId1"/>
   </p:sldMasterIdLst>
   <p:notesMasterIdLst>
-    <p:notesMasterId r:id="rId7"/>
+    <p:notesMasterId r:id="rId8"/>
   </p:notesMasterIdLst>
   <p:sldIdLst>
     <p:sldId id="258" r:id="rId2"/>
@@ -13,37 +13,38 @@
     <p:sldId id="265" r:id="rId4"/>
     <p:sldId id="264" r:id="rId5"/>
     <p:sldId id="267" r:id="rId6"/>
+    <p:sldId id="268" r:id="rId7"/>
   </p:sldIdLst>
   <p:sldSz cx="12192000" cy="6858000"/>
   <p:notesSz cx="6858000" cy="9144000"/>
   <p:embeddedFontLst>
     <p:embeddedFont>
       <p:font typeface="Calibri" panose="020F0502020204030204" pitchFamily="34" charset="0"/>
-      <p:regular r:id="rId8"/>
-      <p:bold r:id="rId9"/>
-      <p:italic r:id="rId10"/>
-      <p:boldItalic r:id="rId11"/>
+      <p:regular r:id="rId9"/>
+      <p:bold r:id="rId10"/>
+      <p:italic r:id="rId11"/>
+      <p:boldItalic r:id="rId12"/>
     </p:embeddedFont>
     <p:embeddedFont>
       <p:font typeface="Lato" panose="020F0502020204030203" pitchFamily="34" charset="0"/>
-      <p:regular r:id="rId12"/>
-      <p:bold r:id="rId13"/>
-      <p:italic r:id="rId14"/>
-      <p:boldItalic r:id="rId15"/>
+      <p:regular r:id="rId13"/>
+      <p:bold r:id="rId14"/>
+      <p:italic r:id="rId15"/>
+      <p:boldItalic r:id="rId16"/>
     </p:embeddedFont>
     <p:embeddedFont>
       <p:font typeface="Lato Light" panose="020F0302020204030203" pitchFamily="34" charset="0"/>
-      <p:regular r:id="rId16"/>
-      <p:bold r:id="rId17"/>
-      <p:italic r:id="rId18"/>
-      <p:boldItalic r:id="rId19"/>
+      <p:regular r:id="rId17"/>
+      <p:bold r:id="rId18"/>
+      <p:italic r:id="rId19"/>
+      <p:boldItalic r:id="rId20"/>
     </p:embeddedFont>
     <p:embeddedFont>
       <p:font typeface="PT Sans" panose="020B0604020202020204" charset="0"/>
-      <p:regular r:id="rId20"/>
-      <p:bold r:id="rId21"/>
-      <p:italic r:id="rId22"/>
-      <p:boldItalic r:id="rId23"/>
+      <p:regular r:id="rId21"/>
+      <p:bold r:id="rId22"/>
+      <p:italic r:id="rId23"/>
+      <p:boldItalic r:id="rId24"/>
     </p:embeddedFont>
   </p:embeddedFontLst>
   <p:defaultTextStyle>
@@ -17438,6 +17439,143 @@
 </p:sld>
 </file>
 
+<file path=ppt/slides/slide6.xml><?xml version="1.0" encoding="utf-8"?>
+<p:sld xmlns:a="http://schemas.openxmlformats.org/drawingml/2006/main" xmlns:r="http://schemas.openxmlformats.org/officeDocument/2006/relationships" xmlns:p="http://schemas.openxmlformats.org/presentationml/2006/main">
+  <p:cSld>
+    <p:spTree>
+      <p:nvGrpSpPr>
+        <p:cNvPr id="1" name=""/>
+        <p:cNvGrpSpPr/>
+        <p:nvPr/>
+      </p:nvGrpSpPr>
+      <p:grpSpPr>
+        <a:xfrm>
+          <a:off x="0" y="0"/>
+          <a:ext cx="0" cy="0"/>
+          <a:chOff x="0" y="0"/>
+          <a:chExt cx="0" cy="0"/>
+        </a:xfrm>
+      </p:grpSpPr>
+      <p:sp>
+        <p:nvSpPr>
+          <p:cNvPr id="2" name="Title 1">
+            <a:extLst>
+              <a:ext uri="{FF2B5EF4-FFF2-40B4-BE49-F238E27FC236}">
+                <a16:creationId xmlns:a16="http://schemas.microsoft.com/office/drawing/2014/main" id="{680B840A-DDE0-4086-825E-31E443A02A63}"/>
+              </a:ext>
+            </a:extLst>
+          </p:cNvPr>
+          <p:cNvSpPr>
+            <a:spLocks noGrp="1"/>
+          </p:cNvSpPr>
+          <p:nvPr>
+            <p:ph type="title"/>
+          </p:nvPr>
+        </p:nvSpPr>
+        <p:spPr/>
+        <p:txBody>
+          <a:bodyPr/>
+          <a:lstStyle/>
+          <a:p>
+            <a:endParaRPr lang="en-US"/>
+          </a:p>
+        </p:txBody>
+      </p:sp>
+      <p:pic>
+        <p:nvPicPr>
+          <p:cNvPr id="4" name="Picture 3">
+            <a:extLst>
+              <a:ext uri="{FF2B5EF4-FFF2-40B4-BE49-F238E27FC236}">
+                <a16:creationId xmlns:a16="http://schemas.microsoft.com/office/drawing/2014/main" id="{86116684-9EBA-4674-91C5-F2EC89A6C267}"/>
+              </a:ext>
+            </a:extLst>
+          </p:cNvPr>
+          <p:cNvPicPr>
+            <a:picLocks noChangeAspect="1"/>
+          </p:cNvPicPr>
+          <p:nvPr/>
+        </p:nvPicPr>
+        <p:blipFill>
+          <a:blip r:embed="rId2"/>
+          <a:stretch>
+            <a:fillRect/>
+          </a:stretch>
+        </p:blipFill>
+        <p:spPr>
+          <a:xfrm>
+            <a:off x="397386" y="1742776"/>
+            <a:ext cx="10507541" cy="4286848"/>
+          </a:xfrm>
+          <a:prstGeom prst="rect">
+            <a:avLst/>
+          </a:prstGeom>
+        </p:spPr>
+      </p:pic>
+      <p:sp>
+        <p:nvSpPr>
+          <p:cNvPr id="5" name="Rectangle: Rounded Corners 4">
+            <a:extLst>
+              <a:ext uri="{FF2B5EF4-FFF2-40B4-BE49-F238E27FC236}">
+                <a16:creationId xmlns:a16="http://schemas.microsoft.com/office/drawing/2014/main" id="{6C93A9CB-2A1A-4B61-90C5-FD61FE419896}"/>
+              </a:ext>
+            </a:extLst>
+          </p:cNvPr>
+          <p:cNvSpPr/>
+          <p:nvPr/>
+        </p:nvSpPr>
+        <p:spPr>
+          <a:xfrm>
+            <a:off x="1112109" y="1841157"/>
+            <a:ext cx="395416" cy="1322173"/>
+          </a:xfrm>
+          <a:prstGeom prst="roundRect">
+            <a:avLst/>
+          </a:prstGeom>
+          <a:noFill/>
+          <a:ln w="38100">
+            <a:solidFill>
+              <a:srgbClr val="C00000"/>
+            </a:solidFill>
+          </a:ln>
+        </p:spPr>
+        <p:style>
+          <a:lnRef idx="2">
+            <a:schemeClr val="accent1">
+              <a:shade val="50000"/>
+            </a:schemeClr>
+          </a:lnRef>
+          <a:fillRef idx="1">
+            <a:schemeClr val="accent1"/>
+          </a:fillRef>
+          <a:effectRef idx="0">
+            <a:schemeClr val="accent1"/>
+          </a:effectRef>
+          <a:fontRef idx="minor">
+            <a:schemeClr val="lt1"/>
+          </a:fontRef>
+        </p:style>
+        <p:txBody>
+          <a:bodyPr rtlCol="0" anchor="ctr"/>
+          <a:lstStyle/>
+          <a:p>
+            <a:pPr algn="ctr"/>
+            <a:endParaRPr lang="en-US"/>
+          </a:p>
+        </p:txBody>
+      </p:sp>
+    </p:spTree>
+    <p:extLst>
+      <p:ext uri="{BB962C8B-B14F-4D97-AF65-F5344CB8AC3E}">
+        <p14:creationId xmlns:p14="http://schemas.microsoft.com/office/powerpoint/2010/main" val="3275298501"/>
+      </p:ext>
+    </p:extLst>
+  </p:cSld>
+  <p:clrMapOvr>
+    <a:masterClrMapping/>
+  </p:clrMapOvr>
+</p:sld>
+</file>
+
 <file path=ppt/theme/theme1.xml><?xml version="1.0" encoding="utf-8"?>
 <a:theme xmlns:a="http://schemas.openxmlformats.org/drawingml/2006/main" name="Office Theme">
   <a:themeElements>
